--- a/onlyoffice_odoo/static/assets/document_templates/fr-FR/new.pptx
+++ b/onlyoffice_odoo/static/assets/document_templates/fr-FR/new.pptx
@@ -2715,7 +2715,7 @@
           <a:p>
             <a:r>
               <a:rPr lang="fr-FR" smtClean="0"/>
-              <a:t>Click icon to add picture</a:t>
+              <a:t>Cliquez sur l'icône pour ajouter une image</a:t>
             </a:r>
             <a:endParaRPr lang="fr-FR" dirty="0"/>
           </a:p>
